--- a/MP_poster_skel.pptx
+++ b/MP_poster_skel.pptx
@@ -3458,7 +3458,7 @@
         <p:spPr bwMode="auto">
           <a:xfrm>
             <a:off x="0" y="0"/>
-            <a:ext cx="32918400" cy="1849438"/>
+            <a:ext cx="32918400" cy="2928734"/>
           </a:xfrm>
           <a:prstGeom prst="rect">
             <a:avLst/>
@@ -3506,7 +3506,36 @@
             <a:pPr defTabSz="3135313"/>
             <a:r>
               <a:rPr lang="en-US" sz="4600" dirty="0" smtClean="0"/>
-              <a:t>Team 12 / Candy Dispenser</a:t>
+              <a:t>Team 12 / Candy </a:t>
+            </a:r>
+            <a:r>
+              <a:rPr lang="en-US" sz="4600" dirty="0" smtClean="0"/>
+              <a:t>Dispenser</a:t>
+            </a:r>
+          </a:p>
+          <a:p>
+            <a:pPr defTabSz="3135313"/>
+            <a:r>
+              <a:rPr lang="en-US" sz="3600" dirty="0" smtClean="0">
+                <a:hlinkClick r:id="rId2"/>
+              </a:rPr>
+              <a:t>https</a:t>
+            </a:r>
+            <a:r>
+              <a:rPr lang="en-US" sz="3600" dirty="0">
+                <a:hlinkClick r:id="rId2"/>
+              </a:rPr>
+              <a:t>://</a:t>
+            </a:r>
+            <a:r>
+              <a:rPr lang="en-US" sz="3600" dirty="0" smtClean="0">
+                <a:hlinkClick r:id="rId2"/>
+              </a:rPr>
+              <a:t>www.youtube.com/watch?v=JPPdzIhSHxg&amp;feature=youtu.be</a:t>
+            </a:r>
+            <a:r>
+              <a:rPr lang="en-US" sz="4600" dirty="0" smtClean="0"/>
+              <a:t> </a:t>
             </a:r>
             <a:endParaRPr lang="en-US" sz="4600" dirty="0"/>
           </a:p>
@@ -3521,7 +3550,7 @@
           <p:nvPr/>
         </p:nvPicPr>
         <p:blipFill>
-          <a:blip r:embed="rId2" cstate="print"/>
+          <a:blip r:embed="rId3" cstate="print"/>
           <a:srcRect/>
           <a:stretch>
             <a:fillRect/>
@@ -3596,7 +3625,7 @@
         </p:nvSpPr>
         <p:spPr bwMode="auto">
           <a:xfrm>
-            <a:off x="10660063" y="7646988"/>
+            <a:off x="10502900" y="20408106"/>
             <a:ext cx="11912600" cy="1544637"/>
           </a:xfrm>
           <a:prstGeom prst="rect">
@@ -3620,19 +3649,161 @@
           <a:p>
             <a:pPr defTabSz="3135313"/>
             <a:r>
-              <a:rPr lang="en-US"/>
+              <a:rPr lang="en-US" dirty="0"/>
               <a:t>Text used should be a minimum of 36-point (bold)</a:t>
             </a:r>
           </a:p>
           <a:p>
             <a:pPr defTabSz="3135313"/>
             <a:r>
-              <a:rPr lang="en-US"/>
+              <a:rPr lang="en-US" dirty="0"/>
               <a:t>Leave background WHITE (no color)</a:t>
             </a:r>
           </a:p>
         </p:txBody>
       </p:sp>
+      <p:pic>
+        <p:nvPicPr>
+          <p:cNvPr id="2" name="그림 1"/>
+          <p:cNvPicPr>
+            <a:picLocks noChangeAspect="1"/>
+          </p:cNvPicPr>
+          <p:nvPr/>
+        </p:nvPicPr>
+        <p:blipFill>
+          <a:blip r:embed="rId4">
+            <a:extLst>
+              <a:ext uri="{28A0092B-C50C-407E-A947-70E740481C1C}">
+                <a14:useLocalDpi xmlns:a14="http://schemas.microsoft.com/office/drawing/2010/main" val="0"/>
+              </a:ext>
+            </a:extLst>
+          </a:blip>
+          <a:stretch>
+            <a:fillRect/>
+          </a:stretch>
+        </p:blipFill>
+        <p:spPr>
+          <a:xfrm>
+            <a:off x="1866900" y="4267201"/>
+            <a:ext cx="9946451" cy="7391399"/>
+          </a:xfrm>
+          <a:prstGeom prst="rect">
+            <a:avLst/>
+          </a:prstGeom>
+        </p:spPr>
+      </p:pic>
+      <p:sp>
+        <p:nvSpPr>
+          <p:cNvPr id="3" name="TextBox 2"/>
+          <p:cNvSpPr txBox="1"/>
+          <p:nvPr/>
+        </p:nvSpPr>
+        <p:spPr>
+          <a:xfrm>
+            <a:off x="1391825" y="3590093"/>
+            <a:ext cx="10896600" cy="677108"/>
+          </a:xfrm>
+          <a:prstGeom prst="rect">
+            <a:avLst/>
+          </a:prstGeom>
+          <a:noFill/>
+        </p:spPr>
+        <p:txBody>
+          <a:bodyPr wrap="square" rtlCol="0">
+            <a:spAutoFit/>
+          </a:bodyPr>
+          <a:lstStyle/>
+          <a:p>
+            <a:r>
+              <a:rPr lang="en-US" dirty="0" smtClean="0"/>
+              <a:t>Electrical Schematic for the Candy Dispenser</a:t>
+            </a:r>
+            <a:endParaRPr lang="en-US" dirty="0"/>
+          </a:p>
+        </p:txBody>
+      </p:sp>
+      <p:pic>
+        <p:nvPicPr>
+          <p:cNvPr id="1026" name="Picture 2" descr="https://lh5.googleusercontent.com/-4ID-bhxao7M/VIk-6vz_hKI/AAAAAAAAD9o/JNXYtYys30E/w1381-h905-no/1.jpg"/>
+          <p:cNvPicPr>
+            <a:picLocks noChangeAspect="1" noChangeArrowheads="1"/>
+          </p:cNvPicPr>
+          <p:nvPr/>
+        </p:nvPicPr>
+        <p:blipFill>
+          <a:blip r:embed="rId5">
+            <a:extLst>
+              <a:ext uri="{28A0092B-C50C-407E-A947-70E740481C1C}">
+                <a14:useLocalDpi xmlns:a14="http://schemas.microsoft.com/office/drawing/2010/main" val="0"/>
+              </a:ext>
+            </a:extLst>
+          </a:blip>
+          <a:srcRect/>
+          <a:stretch>
+            <a:fillRect/>
+          </a:stretch>
+        </p:blipFill>
+        <p:spPr bwMode="auto">
+          <a:xfrm>
+            <a:off x="19498004" y="3590093"/>
+            <a:ext cx="11382045" cy="7458907"/>
+          </a:xfrm>
+          <a:prstGeom prst="rect">
+            <a:avLst/>
+          </a:prstGeom>
+          <a:noFill/>
+          <a:extLst>
+            <a:ext uri="{909E8E84-426E-40DD-AFC4-6F175D3DCCD1}">
+              <a14:hiddenFill xmlns:a14="http://schemas.microsoft.com/office/drawing/2010/main">
+                <a:solidFill>
+                  <a:srgbClr val="FFFFFF"/>
+                </a:solidFill>
+              </a14:hiddenFill>
+            </a:ext>
+          </a:extLst>
+        </p:spPr>
+      </p:pic>
+      <p:pic>
+        <p:nvPicPr>
+          <p:cNvPr id="1028" name="Picture 4" descr="https://lh3.googleusercontent.com/-NZEyM4_8RJU/VIYVMcDUrRI/AAAAAAAAAIQ/DJjdhBOoMQ4/w1207-h905-no/2014-12-08.jpg"/>
+          <p:cNvPicPr>
+            <a:picLocks noChangeAspect="1" noChangeArrowheads="1"/>
+          </p:cNvPicPr>
+          <p:nvPr/>
+        </p:nvPicPr>
+        <p:blipFill>
+          <a:blip r:embed="rId6">
+            <a:extLst>
+              <a:ext uri="{28A0092B-C50C-407E-A947-70E740481C1C}">
+                <a14:useLocalDpi xmlns:a14="http://schemas.microsoft.com/office/drawing/2010/main" val="0"/>
+              </a:ext>
+            </a:extLst>
+          </a:blip>
+          <a:srcRect/>
+          <a:stretch>
+            <a:fillRect/>
+          </a:stretch>
+        </p:blipFill>
+        <p:spPr bwMode="auto">
+          <a:xfrm>
+            <a:off x="1853045" y="11693236"/>
+            <a:ext cx="7537413" cy="5651499"/>
+          </a:xfrm>
+          <a:prstGeom prst="rect">
+            <a:avLst/>
+          </a:prstGeom>
+          <a:noFill/>
+          <a:extLst>
+            <a:ext uri="{909E8E84-426E-40DD-AFC4-6F175D3DCCD1}">
+              <a14:hiddenFill xmlns:a14="http://schemas.microsoft.com/office/drawing/2010/main">
+                <a:solidFill>
+                  <a:srgbClr val="FFFFFF"/>
+                </a:solidFill>
+              </a14:hiddenFill>
+            </a:ext>
+          </a:extLst>
+        </p:spPr>
+      </p:pic>
     </p:spTree>
   </p:cSld>
   <p:clrMapOvr>
